--- a/Web/Django-Notes.pptx
+++ b/Web/Django-Notes.pptx
@@ -8,7 +8,7 @@
     <p:notesMasterId r:id="rId16"/>
   </p:notesMasterIdLst>
   <p:handoutMasterIdLst>
-    <p:handoutMasterId r:id="rId21"/>
+    <p:handoutMasterId r:id="rId22"/>
   </p:handoutMasterIdLst>
   <p:sldIdLst>
     <p:sldId id="256" r:id="rId3"/>
@@ -28,9 +28,13 @@
     <p:sldId id="315" r:id="rId18"/>
     <p:sldId id="317" r:id="rId19"/>
     <p:sldId id="286" r:id="rId20"/>
+    <p:sldId id="330" r:id="rId21"/>
   </p:sldIdLst>
   <p:sldSz cx="12192000" cy="6858000"/>
   <p:notesSz cx="6858000" cy="9144000"/>
+  <p:custDataLst>
+    <p:tags r:id="rId26"/>
+  </p:custDataLst>
   <p:defaultTextStyle>
     <a:defPPr>
       <a:defRPr lang="zh-CN"/>
@@ -9059,6 +9063,426 @@
 </p:sld>
 </file>
 
+<file path=ppt/slides/slide18.xml><?xml version="1.0" encoding="utf-8"?>
+<p:sld xmlns:a="http://schemas.openxmlformats.org/drawingml/2006/main" xmlns:r="http://schemas.openxmlformats.org/officeDocument/2006/relationships" xmlns:p="http://schemas.openxmlformats.org/presentationml/2006/main">
+  <p:cSld>
+    <p:spTree>
+      <p:nvGrpSpPr>
+        <p:cNvPr id="1" name=""/>
+        <p:cNvGrpSpPr/>
+        <p:nvPr/>
+      </p:nvGrpSpPr>
+      <p:grpSpPr/>
+      <p:sp>
+        <p:nvSpPr>
+          <p:cNvPr id="2" name="标题 1"/>
+          <p:cNvSpPr>
+            <a:spLocks noGrp="1"/>
+          </p:cNvSpPr>
+          <p:nvPr>
+            <p:ph type="title"/>
+          </p:nvPr>
+        </p:nvSpPr>
+        <p:spPr/>
+        <p:txBody>
+          <a:bodyPr/>
+          <a:p>
+            <a:r>
+              <a:rPr lang="en-US" altLang="zh-CN"/>
+              <a:t>CMS - Wagtail</a:t>
+            </a:r>
+            <a:endParaRPr lang="en-US" altLang="zh-CN"/>
+          </a:p>
+        </p:txBody>
+      </p:sp>
+      <p:sp>
+        <p:nvSpPr>
+          <p:cNvPr id="3" name="内容占位符 2"/>
+          <p:cNvSpPr>
+            <a:spLocks noGrp="1"/>
+          </p:cNvSpPr>
+          <p:nvPr>
+            <p:ph idx="1"/>
+          </p:nvPr>
+        </p:nvSpPr>
+        <p:spPr>
+          <a:xfrm>
+            <a:off x="838200" y="1211580"/>
+            <a:ext cx="5908040" cy="4549140"/>
+          </a:xfrm>
+        </p:spPr>
+        <p:txBody>
+          <a:bodyPr>
+            <a:normAutofit fontScale="70000"/>
+          </a:bodyPr>
+          <a:p>
+            <a:r>
+              <a:rPr lang="zh-CN" altLang="en-US"/>
+              <a:t>https://github.com/wagtail/wagtail</a:t>
+            </a:r>
+            <a:endParaRPr lang="zh-CN" altLang="en-US"/>
+          </a:p>
+          <a:p>
+            <a:pPr lvl="1"/>
+            <a:r>
+              <a:rPr lang="en-US" altLang="zh-CN"/>
+              <a:t>Setup</a:t>
+            </a:r>
+            <a:endParaRPr lang="en-US" altLang="zh-CN"/>
+          </a:p>
+          <a:p>
+            <a:pPr lvl="2"/>
+            <a:r>
+              <a:rPr lang="zh-CN" altLang="en-US"/>
+              <a:t>pip install wagtail</a:t>
+            </a:r>
+            <a:endParaRPr lang="zh-CN" altLang="en-US"/>
+          </a:p>
+          <a:p>
+            <a:pPr lvl="2"/>
+            <a:r>
+              <a:rPr lang="zh-CN" altLang="en-US"/>
+              <a:t>wagtail start mysite</a:t>
+            </a:r>
+            <a:endParaRPr lang="zh-CN" altLang="en-US"/>
+          </a:p>
+          <a:p>
+            <a:pPr lvl="2"/>
+            <a:r>
+              <a:rPr lang="zh-CN" altLang="en-US"/>
+              <a:t>cd mysite</a:t>
+            </a:r>
+            <a:endParaRPr lang="zh-CN" altLang="en-US"/>
+          </a:p>
+          <a:p>
+            <a:pPr lvl="2"/>
+            <a:r>
+              <a:rPr lang="zh-CN" altLang="en-US"/>
+              <a:t>pip install -r requirements.txt</a:t>
+            </a:r>
+            <a:endParaRPr lang="zh-CN" altLang="en-US"/>
+          </a:p>
+          <a:p>
+            <a:pPr lvl="2"/>
+            <a:r>
+              <a:rPr lang="zh-CN" altLang="en-US"/>
+              <a:t>python manage.py migrate</a:t>
+            </a:r>
+            <a:endParaRPr lang="zh-CN" altLang="en-US"/>
+          </a:p>
+          <a:p>
+            <a:pPr lvl="2"/>
+            <a:r>
+              <a:rPr lang="zh-CN" altLang="en-US"/>
+              <a:t>python manage.py createsuperuser</a:t>
+            </a:r>
+            <a:endParaRPr lang="zh-CN" altLang="en-US"/>
+          </a:p>
+          <a:p>
+            <a:pPr lvl="2"/>
+            <a:r>
+              <a:rPr lang="zh-CN" altLang="en-US"/>
+              <a:t>python manage.py runserver</a:t>
+            </a:r>
+            <a:endParaRPr lang="zh-CN" altLang="en-US"/>
+          </a:p>
+          <a:p>
+            <a:pPr lvl="1"/>
+            <a:r>
+              <a:rPr lang="en-US" altLang="zh-CN"/>
+              <a:t>Features</a:t>
+            </a:r>
+            <a:endParaRPr lang="en-US" altLang="zh-CN"/>
+          </a:p>
+          <a:p>
+            <a:pPr lvl="2"/>
+            <a:r>
+              <a:rPr lang="en-US" altLang="zh-CN"/>
+              <a:t>Django 3.2.x, 4.1.x and 4.2.x</a:t>
+            </a:r>
+            <a:endParaRPr lang="en-US" altLang="zh-CN"/>
+          </a:p>
+          <a:p>
+            <a:pPr lvl="2"/>
+            <a:r>
+              <a:rPr lang="en-US" altLang="zh-CN"/>
+              <a:t>Python 3.8, 3.9, 3.10, 3.11 and 3.12</a:t>
+            </a:r>
+            <a:endParaRPr lang="en-US" altLang="zh-CN"/>
+          </a:p>
+          <a:p>
+            <a:pPr lvl="2"/>
+            <a:r>
+              <a:rPr lang="en-US" altLang="zh-CN"/>
+              <a:t>PostgreSQL, MySQL and SQLite (with JSON1) as database backends</a:t>
+            </a:r>
+            <a:endParaRPr lang="en-US" altLang="zh-CN"/>
+          </a:p>
+          <a:p>
+            <a:pPr lvl="1"/>
+            <a:r>
+              <a:rPr lang="en-US" altLang="zh-CN"/>
+              <a:t>docker</a:t>
+            </a:r>
+            <a:endParaRPr lang="en-US" altLang="zh-CN"/>
+          </a:p>
+          <a:p>
+            <a:pPr lvl="2"/>
+            <a:r>
+              <a:rPr lang="en-US" altLang="zh-CN">
+                <a:sym typeface="+mn-ea"/>
+              </a:rPr>
+              <a:t>https://github.com/wagtail/docker-wagtail-develop/</a:t>
+            </a:r>
+            <a:endParaRPr lang="en-US" altLang="zh-CN">
+              <a:sym typeface="+mn-ea"/>
+            </a:endParaRPr>
+          </a:p>
+          <a:p>
+            <a:pPr lvl="2"/>
+            <a:r>
+              <a:rPr lang="en-US" altLang="zh-CN"/>
+              <a:t>https://jortdevreeze.com/blog/wagtail-3/dockerize-wagtail-cms-for-your-development-environment-2</a:t>
+            </a:r>
+            <a:endParaRPr lang="en-US" altLang="zh-CN"/>
+          </a:p>
+        </p:txBody>
+      </p:sp>
+      <p:sp>
+        <p:nvSpPr>
+          <p:cNvPr id="4" name="内容占位符 2"/>
+          <p:cNvSpPr>
+            <a:spLocks noGrp="1"/>
+          </p:cNvSpPr>
+          <p:nvPr/>
+        </p:nvSpPr>
+        <p:spPr>
+          <a:xfrm>
+            <a:off x="7207885" y="1211580"/>
+            <a:ext cx="4547870" cy="4549140"/>
+          </a:xfrm>
+          <a:prstGeom prst="rect">
+            <a:avLst/>
+          </a:prstGeom>
+        </p:spPr>
+        <p:txBody>
+          <a:bodyPr vert="horz" lIns="91440" tIns="45720" rIns="91440" bIns="45720" rtlCol="0">
+            <a:normAutofit/>
+          </a:bodyPr>
+          <a:lstStyle>
+            <a:lvl1pPr marL="342900" indent="-342900" algn="l" defTabSz="914400" rtl="0" eaLnBrk="1" latinLnBrk="0" hangingPunct="1">
+              <a:lnSpc>
+                <a:spcPct val="90000"/>
+              </a:lnSpc>
+              <a:spcBef>
+                <a:spcPts val="1000"/>
+              </a:spcBef>
+              <a:buFont typeface="黑体" panose="02010609060101010101" charset="-122"/>
+              <a:buChar char="〉"/>
+              <a:defRPr sz="2400" kern="1200">
+                <a:solidFill>
+                  <a:schemeClr val="tx1"/>
+                </a:solidFill>
+                <a:latin typeface="+mn-lt"/>
+                <a:ea typeface="+mn-ea"/>
+                <a:cs typeface="+mn-cs"/>
+              </a:defRPr>
+            </a:lvl1pPr>
+            <a:lvl2pPr marL="800100" indent="-342900" algn="l" defTabSz="914400" rtl="0" eaLnBrk="1" latinLnBrk="0" hangingPunct="1">
+              <a:lnSpc>
+                <a:spcPct val="90000"/>
+              </a:lnSpc>
+              <a:spcBef>
+                <a:spcPts val="500"/>
+              </a:spcBef>
+              <a:buFont typeface="Arial" panose="020B0604020202020204" pitchFamily="34" charset="0"/>
+              <a:buChar char="•"/>
+              <a:defRPr sz="2000" kern="1200">
+                <a:solidFill>
+                  <a:schemeClr val="tx1"/>
+                </a:solidFill>
+                <a:latin typeface="+mn-lt"/>
+                <a:ea typeface="+mn-ea"/>
+                <a:cs typeface="+mn-cs"/>
+              </a:defRPr>
+            </a:lvl2pPr>
+            <a:lvl3pPr marL="1257300" indent="-342900" algn="l" defTabSz="914400" rtl="0" eaLnBrk="1" latinLnBrk="0" hangingPunct="1">
+              <a:lnSpc>
+                <a:spcPct val="90000"/>
+              </a:lnSpc>
+              <a:spcBef>
+                <a:spcPts val="500"/>
+              </a:spcBef>
+              <a:buFont typeface="Arial" panose="020B0604020202020204" pitchFamily="34" charset="0"/>
+              <a:buChar char="•"/>
+              <a:defRPr sz="1800" kern="1200">
+                <a:solidFill>
+                  <a:schemeClr val="tx1"/>
+                </a:solidFill>
+                <a:latin typeface="+mn-lt"/>
+                <a:ea typeface="+mn-ea"/>
+                <a:cs typeface="+mn-cs"/>
+              </a:defRPr>
+            </a:lvl3pPr>
+            <a:lvl4pPr marL="1657350" indent="-285750" algn="l" defTabSz="914400" rtl="0" eaLnBrk="1" latinLnBrk="0" hangingPunct="1">
+              <a:lnSpc>
+                <a:spcPct val="90000"/>
+              </a:lnSpc>
+              <a:spcBef>
+                <a:spcPts val="500"/>
+              </a:spcBef>
+              <a:buFont typeface="Arial" panose="020B0604020202020204" pitchFamily="34" charset="0"/>
+              <a:buChar char="•"/>
+              <a:defRPr sz="1800" kern="1200">
+                <a:solidFill>
+                  <a:schemeClr val="tx1"/>
+                </a:solidFill>
+                <a:latin typeface="+mn-lt"/>
+                <a:ea typeface="+mn-ea"/>
+                <a:cs typeface="+mn-cs"/>
+              </a:defRPr>
+            </a:lvl4pPr>
+            <a:lvl5pPr marL="2114550" indent="-285750" algn="l" defTabSz="914400" rtl="0" eaLnBrk="1" latinLnBrk="0" hangingPunct="1">
+              <a:lnSpc>
+                <a:spcPct val="90000"/>
+              </a:lnSpc>
+              <a:spcBef>
+                <a:spcPts val="500"/>
+              </a:spcBef>
+              <a:buFont typeface="Arial" panose="020B0604020202020204" pitchFamily="34" charset="0"/>
+              <a:buChar char="•"/>
+              <a:defRPr sz="1800" kern="1200">
+                <a:solidFill>
+                  <a:schemeClr val="tx1"/>
+                </a:solidFill>
+                <a:latin typeface="+mn-lt"/>
+                <a:ea typeface="+mn-ea"/>
+                <a:cs typeface="+mn-cs"/>
+              </a:defRPr>
+            </a:lvl5pPr>
+            <a:lvl6pPr marL="2514600" indent="-228600" algn="l" defTabSz="914400" rtl="0" eaLnBrk="1" latinLnBrk="0" hangingPunct="1">
+              <a:lnSpc>
+                <a:spcPct val="90000"/>
+              </a:lnSpc>
+              <a:spcBef>
+                <a:spcPts val="500"/>
+              </a:spcBef>
+              <a:buFont typeface="Arial" panose="020B0604020202020204" pitchFamily="34" charset="0"/>
+              <a:buChar char="•"/>
+              <a:defRPr sz="1800" kern="1200">
+                <a:solidFill>
+                  <a:schemeClr val="tx1"/>
+                </a:solidFill>
+                <a:latin typeface="+mn-lt"/>
+                <a:ea typeface="+mn-ea"/>
+                <a:cs typeface="+mn-cs"/>
+              </a:defRPr>
+            </a:lvl6pPr>
+            <a:lvl7pPr marL="2971800" indent="-228600" algn="l" defTabSz="914400" rtl="0" eaLnBrk="1" latinLnBrk="0" hangingPunct="1">
+              <a:lnSpc>
+                <a:spcPct val="90000"/>
+              </a:lnSpc>
+              <a:spcBef>
+                <a:spcPts val="500"/>
+              </a:spcBef>
+              <a:buFont typeface="Arial" panose="020B0604020202020204" pitchFamily="34" charset="0"/>
+              <a:buChar char="•"/>
+              <a:defRPr sz="1800" kern="1200">
+                <a:solidFill>
+                  <a:schemeClr val="tx1"/>
+                </a:solidFill>
+                <a:latin typeface="+mn-lt"/>
+                <a:ea typeface="+mn-ea"/>
+                <a:cs typeface="+mn-cs"/>
+              </a:defRPr>
+            </a:lvl7pPr>
+            <a:lvl8pPr marL="3429000" indent="-228600" algn="l" defTabSz="914400" rtl="0" eaLnBrk="1" latinLnBrk="0" hangingPunct="1">
+              <a:lnSpc>
+                <a:spcPct val="90000"/>
+              </a:lnSpc>
+              <a:spcBef>
+                <a:spcPts val="500"/>
+              </a:spcBef>
+              <a:buFont typeface="Arial" panose="020B0604020202020204" pitchFamily="34" charset="0"/>
+              <a:buChar char="•"/>
+              <a:defRPr sz="1800" kern="1200">
+                <a:solidFill>
+                  <a:schemeClr val="tx1"/>
+                </a:solidFill>
+                <a:latin typeface="+mn-lt"/>
+                <a:ea typeface="+mn-ea"/>
+                <a:cs typeface="+mn-cs"/>
+              </a:defRPr>
+            </a:lvl8pPr>
+            <a:lvl9pPr marL="3886200" indent="-228600" algn="l" defTabSz="914400" rtl="0" eaLnBrk="1" latinLnBrk="0" hangingPunct="1">
+              <a:lnSpc>
+                <a:spcPct val="90000"/>
+              </a:lnSpc>
+              <a:spcBef>
+                <a:spcPts val="500"/>
+              </a:spcBef>
+              <a:buFont typeface="Arial" panose="020B0604020202020204" pitchFamily="34" charset="0"/>
+              <a:buChar char="•"/>
+              <a:defRPr sz="1800" kern="1200">
+                <a:solidFill>
+                  <a:schemeClr val="tx1"/>
+                </a:solidFill>
+                <a:latin typeface="+mn-lt"/>
+                <a:ea typeface="+mn-ea"/>
+                <a:cs typeface="+mn-cs"/>
+              </a:defRPr>
+            </a:lvl9pPr>
+          </a:lstStyle>
+          <a:p>
+            <a:pPr lvl="1"/>
+            <a:r>
+              <a:rPr lang="en-US" altLang="zh-CN"/>
+              <a:t>Wagtail+Vue</a:t>
+            </a:r>
+            <a:endParaRPr lang="en-US" altLang="zh-CN"/>
+          </a:p>
+          <a:p>
+            <a:pPr lvl="2"/>
+            <a:r>
+              <a:rPr lang="en-US" altLang="zh-CN"/>
+              <a:t>https://devpress.csdn.net/vue/62f905cac6770329307fcc6c.html</a:t>
+            </a:r>
+            <a:endParaRPr lang="en-US" altLang="zh-CN"/>
+          </a:p>
+          <a:p>
+            <a:pPr lvl="2"/>
+            <a:r>
+              <a:rPr lang="en-US" altLang="zh-CN"/>
+              <a:t>https://gist.github.com/tomdyson/abf1e973db4dcd50b388816f8c20adb0</a:t>
+            </a:r>
+            <a:endParaRPr lang="en-US" altLang="zh-CN"/>
+          </a:p>
+          <a:p>
+            <a:pPr lvl="3"/>
+            <a:r>
+              <a:rPr lang="en-US" altLang="zh-CN"/>
+              <a:t>Wagtail 4</a:t>
+            </a:r>
+            <a:endParaRPr lang="en-US" altLang="zh-CN"/>
+          </a:p>
+          <a:p>
+            <a:pPr lvl="2"/>
+            <a:r>
+              <a:rPr lang="en-US" altLang="zh-CN"/>
+              <a:t>https://github.com/QuangPhamll/wagtail-vue</a:t>
+            </a:r>
+            <a:endParaRPr lang="en-US" altLang="zh-CN"/>
+          </a:p>
+        </p:txBody>
+      </p:sp>
+    </p:spTree>
+  </p:cSld>
+  <p:clrMapOvr>
+    <a:masterClrMapping/>
+  </p:clrMapOvr>
+</p:sld>
+</file>
+
 <file path=ppt/slides/slide2.xml><?xml version="1.0" encoding="utf-8"?>
 <p:sld xmlns:a="http://schemas.openxmlformats.org/drawingml/2006/main" xmlns:r="http://schemas.openxmlformats.org/officeDocument/2006/relationships" xmlns:p="http://schemas.openxmlformats.org/presentationml/2006/main">
   <p:cSld>
@@ -13883,6 +14307,12 @@
     <a:masterClrMapping/>
   </p:clrMapOvr>
 </p:sld>
+</file>
+
+<file path=ppt/tags/tag1.xml><?xml version="1.0" encoding="utf-8"?>
+<p:tagLst xmlns:p="http://schemas.openxmlformats.org/presentationml/2006/main">
+  <p:tag name="commondata" val="eyJoZGlkIjoiYjRhZjQ5NWVmZmQxNmM3NmNkNDYxNWRmNzNmMjA1ZDAifQ=="/>
+</p:tagLst>
 </file>
 
 <file path=ppt/theme/theme1.xml><?xml version="1.0" encoding="utf-8"?>
